--- a/FLS/1120/ContextROS.pptx
+++ b/FLS/1120/ContextROS.pptx
@@ -2524,7 +2524,7 @@
             </a:r>
             <a:r>
               <a:rPr lang="en-US" altLang="ja-JP" dirty="0" smtClean="0"/>
-              <a:t>LOCM</a:t>
+              <a:t>LCOM</a:t>
             </a:r>
             <a:r>
               <a:rPr lang="ja-JP" altLang="en-US" dirty="0" smtClean="0"/>
@@ -2625,12 +2625,6 @@
             <a:r>
               <a:rPr lang="ja-JP" altLang="en-US" dirty="0" smtClean="0"/>
               <a:t>横断的関心事の数や仕様変更時の修正コード片数・修正量</a:t>
-            </a:r>
-          </a:p>
-          <a:p>
-            <a:r>
-              <a:rPr lang="ja-JP" altLang="en-US" dirty="0" smtClean="0"/>
-              <a:t/>
             </a:r>
             <a:br>
               <a:rPr lang="ja-JP" altLang="en-US" dirty="0" smtClean="0"/>
@@ -2666,13 +2660,6 @@
             </a:r>
           </a:p>
           <a:p>
-            <a:r>
-              <a:rPr lang="ja-JP" altLang="en-US" dirty="0" smtClean="0"/>
-              <a:t/>
-            </a:r>
-            <a:br>
-              <a:rPr lang="ja-JP" altLang="en-US" dirty="0" smtClean="0"/>
-            </a:br>
             <a:endParaRPr lang="ja-JP" altLang="en-US" dirty="0" smtClean="0"/>
           </a:p>
           <a:p>
@@ -16383,7 +16370,7 @@
               <a:t> </a:t>
             </a:r>
             <a:r>
-              <a:rPr lang="ja-JP" altLang="en-US" smtClean="0">
+              <a:rPr lang="ja-JP" altLang="en-US" dirty="0" smtClean="0">
                 <a:solidFill>
                   <a:schemeClr val="tx1"/>
                 </a:solidFill>
